--- a/Dashboard_S2_RT.pptx
+++ b/Dashboard_S2_RT.pptx
@@ -21,16 +21,18 @@
     <p:sldId id="266" r:id="rId16"/>
     <p:sldId id="267" r:id="rId17"/>
     <p:sldId id="268" r:id="rId18"/>
+    <p:sldId id="269" r:id="rId19"/>
+    <p:sldId id="270" r:id="rId20"/>
   </p:sldIdLst>
   <p:sldSz cy="5143500" cx="9144000"/>
   <p:notesSz cx="6858000" cy="9144000"/>
   <p:embeddedFontLst>
     <p:embeddedFont>
       <p:font typeface="Merriweather"/>
-      <p:regular r:id="rId19"/>
-      <p:bold r:id="rId20"/>
-      <p:italic r:id="rId21"/>
-      <p:boldItalic r:id="rId22"/>
+      <p:regular r:id="rId21"/>
+      <p:bold r:id="rId22"/>
+      <p:italic r:id="rId23"/>
+      <p:boldItalic r:id="rId24"/>
     </p:embeddedFont>
   </p:embeddedFontLst>
   <p:defaultTextStyle>
@@ -1023,7 +1025,7 @@
       </p:grpSpPr>
       <p:sp>
         <p:nvSpPr>
-          <p:cNvPr id="116" name="Google Shape;116;gfa3dd6e7e8_0_41:notes"/>
+          <p:cNvPr id="116" name="Google Shape;116;gfa3dd6e7e8_0_16:notes"/>
           <p:cNvSpPr/>
           <p:nvPr>
             <p:ph idx="2" type="sldImg"/>
@@ -1058,7 +1060,7 @@
       </p:sp>
       <p:sp>
         <p:nvSpPr>
-          <p:cNvPr id="117" name="Google Shape;117;gfa3dd6e7e8_0_41:notes"/>
+          <p:cNvPr id="117" name="Google Shape;117;gfa3dd6e7e8_0_16:notes"/>
           <p:cNvSpPr txBox="1"/>
           <p:nvPr>
             <p:ph idx="1" type="body"/>
@@ -1122,7 +1124,7 @@
       </p:grpSpPr>
       <p:sp>
         <p:nvSpPr>
-          <p:cNvPr id="122" name="Google Shape;122;gfa3dd6e7e8_0_16:notes"/>
+          <p:cNvPr id="122" name="Google Shape;122;gfa5d1d6416_0_0:notes"/>
           <p:cNvSpPr/>
           <p:nvPr>
             <p:ph idx="2" type="sldImg"/>
@@ -1157,7 +1159,205 @@
       </p:sp>
       <p:sp>
         <p:nvSpPr>
-          <p:cNvPr id="123" name="Google Shape;123;gfa3dd6e7e8_0_16:notes"/>
+          <p:cNvPr id="123" name="Google Shape;123;gfa5d1d6416_0_0:notes"/>
+          <p:cNvSpPr txBox="1"/>
+          <p:nvPr>
+            <p:ph idx="1" type="body"/>
+          </p:nvPr>
+        </p:nvSpPr>
+        <p:spPr>
+          <a:xfrm>
+            <a:off x="685800" y="4343400"/>
+            <a:ext cx="5486400" cy="4114800"/>
+          </a:xfrm>
+          <a:prstGeom prst="rect">
+            <a:avLst/>
+          </a:prstGeom>
+        </p:spPr>
+        <p:txBody>
+          <a:bodyPr anchorCtr="0" anchor="t" bIns="91425" lIns="91425" spcFirstLastPara="1" rIns="91425" wrap="square" tIns="91425">
+            <a:noAutofit/>
+          </a:bodyPr>
+          <a:lstStyle/>
+          <a:p>
+            <a:pPr indent="0" lvl="0" marL="0" rtl="0" algn="l">
+              <a:spcBef>
+                <a:spcPts val="0"/>
+              </a:spcBef>
+              <a:spcAft>
+                <a:spcPts val="0"/>
+              </a:spcAft>
+              <a:buNone/>
+            </a:pPr>
+            <a:r>
+              <a:t/>
+            </a:r>
+            <a:endParaRPr/>
+          </a:p>
+        </p:txBody>
+      </p:sp>
+    </p:spTree>
+  </p:cSld>
+  <p:clrMapOvr>
+    <a:masterClrMapping/>
+  </p:clrMapOvr>
+</p:notes>
+</file>
+
+<file path=ppt/notesSlides/notesSlide14.xml><?xml version="1.0" encoding="utf-8"?>
+<p:notes xmlns:a="http://schemas.openxmlformats.org/drawingml/2006/main" xmlns:r="http://schemas.openxmlformats.org/officeDocument/2006/relationships" xmlns:mc="http://schemas.openxmlformats.org/markup-compatibility/2006" xmlns:mv="urn:schemas-microsoft-com:mac:vml" xmlns:p="http://schemas.openxmlformats.org/presentationml/2006/main" xmlns:c="http://schemas.openxmlformats.org/drawingml/2006/chart" xmlns:dgm="http://schemas.openxmlformats.org/drawingml/2006/diagram" xmlns:o="urn:schemas-microsoft-com:office:office" xmlns:v="urn:schemas-microsoft-com:vml" xmlns:pvml="urn:schemas-microsoft-com:office:powerpoint" xmlns:com="http://schemas.openxmlformats.org/drawingml/2006/compatibility" xmlns:p14="http://schemas.microsoft.com/office/powerpoint/2010/main" xmlns:p15="http://schemas.microsoft.com/office/powerpoint/2012/main" xmlns:ahyp="http://schemas.microsoft.com/office/drawing/2018/hyperlinkcolor" showMasterPhAnim="0" showMasterSp="0">
+  <p:cSld>
+    <p:spTree>
+      <p:nvGrpSpPr>
+        <p:cNvPr id="127" name="Shape 127"/>
+        <p:cNvGrpSpPr/>
+        <p:nvPr/>
+      </p:nvGrpSpPr>
+      <p:grpSpPr>
+        <a:xfrm>
+          <a:off x="0" y="0"/>
+          <a:ext cx="0" cy="0"/>
+          <a:chOff x="0" y="0"/>
+          <a:chExt cx="0" cy="0"/>
+        </a:xfrm>
+      </p:grpSpPr>
+      <p:sp>
+        <p:nvSpPr>
+          <p:cNvPr id="128" name="Google Shape;128;gfa5d1d6416_0_5:notes"/>
+          <p:cNvSpPr/>
+          <p:nvPr>
+            <p:ph idx="2" type="sldImg"/>
+          </p:nvPr>
+        </p:nvSpPr>
+        <p:spPr>
+          <a:xfrm>
+            <a:off x="381300" y="685800"/>
+            <a:ext cx="6096000" cy="3429000"/>
+          </a:xfrm>
+          <a:custGeom>
+            <a:rect b="b" l="l" r="r" t="t"/>
+            <a:pathLst>
+              <a:path extrusionOk="0" h="120000" w="120000">
+                <a:moveTo>
+                  <a:pt x="0" y="0"/>
+                </a:moveTo>
+                <a:lnTo>
+                  <a:pt x="120000" y="0"/>
+                </a:lnTo>
+                <a:lnTo>
+                  <a:pt x="120000" y="120000"/>
+                </a:lnTo>
+                <a:lnTo>
+                  <a:pt x="0" y="120000"/>
+                </a:lnTo>
+                <a:close/>
+              </a:path>
+            </a:pathLst>
+          </a:custGeom>
+        </p:spPr>
+      </p:sp>
+      <p:sp>
+        <p:nvSpPr>
+          <p:cNvPr id="129" name="Google Shape;129;gfa5d1d6416_0_5:notes"/>
+          <p:cNvSpPr txBox="1"/>
+          <p:nvPr>
+            <p:ph idx="1" type="body"/>
+          </p:nvPr>
+        </p:nvSpPr>
+        <p:spPr>
+          <a:xfrm>
+            <a:off x="685800" y="4343400"/>
+            <a:ext cx="5486400" cy="4114800"/>
+          </a:xfrm>
+          <a:prstGeom prst="rect">
+            <a:avLst/>
+          </a:prstGeom>
+        </p:spPr>
+        <p:txBody>
+          <a:bodyPr anchorCtr="0" anchor="t" bIns="91425" lIns="91425" spcFirstLastPara="1" rIns="91425" wrap="square" tIns="91425">
+            <a:noAutofit/>
+          </a:bodyPr>
+          <a:lstStyle/>
+          <a:p>
+            <a:pPr indent="0" lvl="0" marL="0" rtl="0" algn="l">
+              <a:spcBef>
+                <a:spcPts val="0"/>
+              </a:spcBef>
+              <a:spcAft>
+                <a:spcPts val="0"/>
+              </a:spcAft>
+              <a:buNone/>
+            </a:pPr>
+            <a:r>
+              <a:t/>
+            </a:r>
+            <a:endParaRPr/>
+          </a:p>
+        </p:txBody>
+      </p:sp>
+    </p:spTree>
+  </p:cSld>
+  <p:clrMapOvr>
+    <a:masterClrMapping/>
+  </p:clrMapOvr>
+</p:notes>
+</file>
+
+<file path=ppt/notesSlides/notesSlide15.xml><?xml version="1.0" encoding="utf-8"?>
+<p:notes xmlns:a="http://schemas.openxmlformats.org/drawingml/2006/main" xmlns:r="http://schemas.openxmlformats.org/officeDocument/2006/relationships" xmlns:mc="http://schemas.openxmlformats.org/markup-compatibility/2006" xmlns:mv="urn:schemas-microsoft-com:mac:vml" xmlns:p="http://schemas.openxmlformats.org/presentationml/2006/main" xmlns:c="http://schemas.openxmlformats.org/drawingml/2006/chart" xmlns:dgm="http://schemas.openxmlformats.org/drawingml/2006/diagram" xmlns:o="urn:schemas-microsoft-com:office:office" xmlns:v="urn:schemas-microsoft-com:vml" xmlns:pvml="urn:schemas-microsoft-com:office:powerpoint" xmlns:com="http://schemas.openxmlformats.org/drawingml/2006/compatibility" xmlns:p14="http://schemas.microsoft.com/office/powerpoint/2010/main" xmlns:p15="http://schemas.microsoft.com/office/powerpoint/2012/main" xmlns:ahyp="http://schemas.microsoft.com/office/drawing/2018/hyperlinkcolor" showMasterPhAnim="0" showMasterSp="0">
+  <p:cSld>
+    <p:spTree>
+      <p:nvGrpSpPr>
+        <p:cNvPr id="133" name="Shape 133"/>
+        <p:cNvGrpSpPr/>
+        <p:nvPr/>
+      </p:nvGrpSpPr>
+      <p:grpSpPr>
+        <a:xfrm>
+          <a:off x="0" y="0"/>
+          <a:ext cx="0" cy="0"/>
+          <a:chOff x="0" y="0"/>
+          <a:chExt cx="0" cy="0"/>
+        </a:xfrm>
+      </p:grpSpPr>
+      <p:sp>
+        <p:nvSpPr>
+          <p:cNvPr id="134" name="Google Shape;134;gfa3dd6e7e8_0_41:notes"/>
+          <p:cNvSpPr/>
+          <p:nvPr>
+            <p:ph idx="2" type="sldImg"/>
+          </p:nvPr>
+        </p:nvSpPr>
+        <p:spPr>
+          <a:xfrm>
+            <a:off x="381300" y="685800"/>
+            <a:ext cx="6096000" cy="3429000"/>
+          </a:xfrm>
+          <a:custGeom>
+            <a:rect b="b" l="l" r="r" t="t"/>
+            <a:pathLst>
+              <a:path extrusionOk="0" h="120000" w="120000">
+                <a:moveTo>
+                  <a:pt x="0" y="0"/>
+                </a:moveTo>
+                <a:lnTo>
+                  <a:pt x="120000" y="0"/>
+                </a:lnTo>
+                <a:lnTo>
+                  <a:pt x="120000" y="120000"/>
+                </a:lnTo>
+                <a:lnTo>
+                  <a:pt x="0" y="120000"/>
+                </a:lnTo>
+                <a:close/>
+              </a:path>
+            </a:pathLst>
+          </a:custGeom>
+        </p:spPr>
+      </p:sp>
+      <p:sp>
+        <p:nvSpPr>
+          <p:cNvPr id="135" name="Google Shape;135;gfa3dd6e7e8_0_41:notes"/>
           <p:cNvSpPr txBox="1"/>
           <p:nvPr>
             <p:ph idx="1" type="body"/>
@@ -6677,7 +6877,7 @@
         </p:nvSpPr>
         <p:spPr>
           <a:xfrm>
-            <a:off x="311700" y="445025"/>
+            <a:off x="311700" y="484725"/>
             <a:ext cx="8446800" cy="2217600"/>
           </a:xfrm>
           <a:prstGeom prst="rect">
@@ -6887,7 +7087,7 @@
               <a:buNone/>
             </a:pPr>
             <a:r>
-              <a:rPr b="1" lang="en" sz="1700">
+              <a:rPr b="1" lang="en" sz="1700" u="sng">
                 <a:solidFill>
                   <a:srgbClr val="24292F"/>
                 </a:solidFill>
@@ -6897,7 +7097,7 @@
               </a:rPr>
               <a:t>TOOLs &amp; SOFTWARE</a:t>
             </a:r>
-            <a:endParaRPr b="1" sz="1700">
+            <a:endParaRPr b="1" sz="1700" u="sng">
               <a:solidFill>
                 <a:srgbClr val="24292F"/>
               </a:solidFill>
@@ -7610,24 +7810,39 @@
         </p:spPr>
         <p:txBody>
           <a:bodyPr anchorCtr="0" anchor="t" bIns="91425" lIns="91425" spcFirstLastPara="1" rIns="91425" wrap="square" tIns="91425">
-            <a:normAutofit fontScale="90000"/>
+            <a:normAutofit/>
           </a:bodyPr>
           <a:lstStyle/>
           <a:p>
             <a:pPr indent="0" lvl="0" marL="0" rtl="0" algn="l">
-              <a:spcBef>
-                <a:spcPts val="0"/>
-              </a:spcBef>
-              <a:spcAft>
-                <a:spcPts val="0"/>
-              </a:spcAft>
+              <a:lnSpc>
+                <a:spcPct val="125000"/>
+              </a:lnSpc>
+              <a:spcBef>
+                <a:spcPts val="1800"/>
+              </a:spcBef>
+              <a:spcAft>
+                <a:spcPts val="1200"/>
+              </a:spcAft>
+              <a:buClr>
+                <a:schemeClr val="dk1"/>
+              </a:buClr>
+              <a:buSzPts val="1100"/>
+              <a:buFont typeface="Arial"/>
               <a:buNone/>
             </a:pPr>
             <a:r>
-              <a:rPr b="1" lang="en" u="sng"/>
-              <a:t>Interactive Dashboard</a:t>
+              <a:rPr b="1" lang="en" sz="1650" u="sng">
+                <a:solidFill>
+                  <a:srgbClr val="24292F"/>
+                </a:solidFill>
+                <a:highlight>
+                  <a:srgbClr val="FFFFFF"/>
+                </a:highlight>
+              </a:rPr>
+              <a:t>Source of Data:</a:t>
             </a:r>
-            <a:endParaRPr b="1" u="sng"/>
+            <a:endParaRPr u="sng"/>
           </a:p>
         </p:txBody>
       </p:sp>
@@ -7655,17 +7870,180 @@
           <a:lstStyle/>
           <a:p>
             <a:pPr indent="0" lvl="0" marL="0" rtl="0" algn="l">
-              <a:spcBef>
-                <a:spcPts val="0"/>
-              </a:spcBef>
-              <a:spcAft>
-                <a:spcPts val="1200"/>
-              </a:spcAft>
+              <a:lnSpc>
+                <a:spcPct val="125000"/>
+              </a:lnSpc>
+              <a:spcBef>
+                <a:spcPts val="1800"/>
+              </a:spcBef>
+              <a:spcAft>
+                <a:spcPts val="0"/>
+              </a:spcAft>
+              <a:buClr>
+                <a:schemeClr val="dk1"/>
+              </a:buClr>
+              <a:buSzPts val="1100"/>
+              <a:buFont typeface="Arial"/>
               <a:buNone/>
             </a:pPr>
             <a:r>
-              <a:rPr lang="en"/>
-              <a:t>Creating interactive dashboard with country code,element code,item code using javascript. Top ten countries bar chart with N2O ,CH4, CO2 emission,bubble chart and gauge chart will be created for better understanding.</a:t>
+              <a:t/>
+            </a:r>
+            <a:endParaRPr b="1" sz="1650">
+              <a:solidFill>
+                <a:srgbClr val="24292F"/>
+              </a:solidFill>
+              <a:highlight>
+                <a:srgbClr val="FFFFFF"/>
+              </a:highlight>
+            </a:endParaRPr>
+          </a:p>
+          <a:p>
+            <a:pPr indent="0" lvl="0" marL="0" rtl="0" algn="l">
+              <a:spcBef>
+                <a:spcPts val="1200"/>
+              </a:spcBef>
+              <a:spcAft>
+                <a:spcPts val="0"/>
+              </a:spcAft>
+              <a:buClr>
+                <a:schemeClr val="dk1"/>
+              </a:buClr>
+              <a:buSzPts val="1100"/>
+              <a:buFont typeface="Arial"/>
+              <a:buNone/>
+            </a:pPr>
+            <a:r>
+              <a:rPr lang="en" sz="1200">
+                <a:solidFill>
+                  <a:srgbClr val="24292F"/>
+                </a:solidFill>
+                <a:highlight>
+                  <a:srgbClr val="FFFFFF"/>
+                </a:highlight>
+              </a:rPr>
+              <a:t>We have used the data from data source of Food and Agriculture Organization of United Nation. This data is reliable and easily available.</a:t>
+            </a:r>
+            <a:endParaRPr sz="1200">
+              <a:solidFill>
+                <a:srgbClr val="24292F"/>
+              </a:solidFill>
+              <a:highlight>
+                <a:srgbClr val="FFFFFF"/>
+              </a:highlight>
+            </a:endParaRPr>
+          </a:p>
+          <a:p>
+            <a:pPr indent="0" lvl="0" marL="0" rtl="0" algn="l">
+              <a:spcBef>
+                <a:spcPts val="1200"/>
+              </a:spcBef>
+              <a:spcAft>
+                <a:spcPts val="0"/>
+              </a:spcAft>
+              <a:buClr>
+                <a:schemeClr val="dk1"/>
+              </a:buClr>
+              <a:buSzPts val="1100"/>
+              <a:buFont typeface="Arial"/>
+              <a:buNone/>
+            </a:pPr>
+            <a:r>
+              <a:rPr lang="en" sz="1200">
+                <a:solidFill>
+                  <a:schemeClr val="hlink"/>
+                </a:solidFill>
+                <a:highlight>
+                  <a:srgbClr val="FFFFFF"/>
+                </a:highlight>
+                <a:uFill>
+                  <a:noFill/>
+                </a:uFill>
+                <a:hlinkClick r:id="rId3"/>
+              </a:rPr>
+              <a:t>https://www.fao.org/faostat/en/#data/GT</a:t>
+            </a:r>
+            <a:endParaRPr sz="1200">
+              <a:solidFill>
+                <a:schemeClr val="hlink"/>
+              </a:solidFill>
+              <a:highlight>
+                <a:srgbClr val="FFFFFF"/>
+              </a:highlight>
+            </a:endParaRPr>
+          </a:p>
+          <a:p>
+            <a:pPr indent="0" lvl="0" marL="0" rtl="0" algn="l">
+              <a:spcBef>
+                <a:spcPts val="1200"/>
+              </a:spcBef>
+              <a:spcAft>
+                <a:spcPts val="0"/>
+              </a:spcAft>
+              <a:buClr>
+                <a:schemeClr val="dk1"/>
+              </a:buClr>
+              <a:buSzPts val="1100"/>
+              <a:buFont typeface="Arial"/>
+              <a:buNone/>
+            </a:pPr>
+            <a:r>
+              <a:rPr lang="en" sz="1100" u="sng">
+                <a:solidFill>
+                  <a:schemeClr val="hlink"/>
+                </a:solidFill>
+                <a:hlinkClick r:id="rId4"/>
+              </a:rPr>
+              <a:t>EIA - Greenhouse Gas Emissions - Nitrous Oxide Emissions</a:t>
+            </a:r>
+            <a:endParaRPr sz="1200">
+              <a:solidFill>
+                <a:schemeClr val="hlink"/>
+              </a:solidFill>
+              <a:highlight>
+                <a:srgbClr val="FFFFFF"/>
+              </a:highlight>
+            </a:endParaRPr>
+          </a:p>
+          <a:p>
+            <a:pPr indent="0" lvl="0" marL="0" rtl="0" algn="l">
+              <a:spcBef>
+                <a:spcPts val="1200"/>
+              </a:spcBef>
+              <a:spcAft>
+                <a:spcPts val="0"/>
+              </a:spcAft>
+              <a:buClr>
+                <a:schemeClr val="dk1"/>
+              </a:buClr>
+              <a:buSzPts val="1100"/>
+              <a:buFont typeface="Arial"/>
+              <a:buNone/>
+            </a:pPr>
+            <a:r>
+              <a:t/>
+            </a:r>
+            <a:endParaRPr sz="1200">
+              <a:solidFill>
+                <a:schemeClr val="hlink"/>
+              </a:solidFill>
+              <a:highlight>
+                <a:srgbClr val="FFFFFF"/>
+              </a:highlight>
+            </a:endParaRPr>
+          </a:p>
+          <a:p>
+            <a:pPr indent="0" lvl="0" marL="0" rtl="0" algn="l">
+              <a:spcBef>
+                <a:spcPts val="1200"/>
+              </a:spcBef>
+              <a:spcAft>
+                <a:spcPts val="1200"/>
+              </a:spcAft>
+              <a:buNone/>
+            </a:pPr>
+            <a:r>
+              <a:t/>
             </a:r>
             <a:endParaRPr/>
           </a:p>
@@ -7722,39 +8100,24 @@
         </p:spPr>
         <p:txBody>
           <a:bodyPr anchorCtr="0" anchor="t" bIns="91425" lIns="91425" spcFirstLastPara="1" rIns="91425" wrap="square" tIns="91425">
-            <a:normAutofit/>
+            <a:normAutofit fontScale="90000"/>
           </a:bodyPr>
           <a:lstStyle/>
           <a:p>
             <a:pPr indent="0" lvl="0" marL="0" rtl="0" algn="l">
-              <a:lnSpc>
-                <a:spcPct val="125000"/>
-              </a:lnSpc>
-              <a:spcBef>
-                <a:spcPts val="1800"/>
-              </a:spcBef>
-              <a:spcAft>
-                <a:spcPts val="1200"/>
-              </a:spcAft>
-              <a:buClr>
-                <a:schemeClr val="dk1"/>
-              </a:buClr>
-              <a:buSzPts val="1100"/>
-              <a:buFont typeface="Arial"/>
+              <a:spcBef>
+                <a:spcPts val="0"/>
+              </a:spcBef>
+              <a:spcAft>
+                <a:spcPts val="0"/>
+              </a:spcAft>
               <a:buNone/>
             </a:pPr>
             <a:r>
-              <a:rPr b="1" lang="en" sz="1650">
-                <a:solidFill>
-                  <a:srgbClr val="24292F"/>
-                </a:solidFill>
-                <a:highlight>
-                  <a:srgbClr val="FFFFFF"/>
-                </a:highlight>
-              </a:rPr>
-              <a:t>Source of Data:</a:t>
+              <a:rPr b="1" lang="en" u="sng"/>
+              <a:t>Data Exploration</a:t>
             </a:r>
-            <a:endParaRPr/>
+            <a:endParaRPr b="1" u="sng"/>
           </a:p>
         </p:txBody>
       </p:sp>
@@ -7781,12 +8144,431 @@
           </a:bodyPr>
           <a:lstStyle/>
           <a:p>
+            <a:pPr indent="-342900" lvl="0" marL="457200" rtl="0" algn="l">
+              <a:spcBef>
+                <a:spcPts val="0"/>
+              </a:spcBef>
+              <a:spcAft>
+                <a:spcPts val="0"/>
+              </a:spcAft>
+              <a:buSzPts val="1800"/>
+              <a:buChar char="●"/>
+            </a:pPr>
+            <a:r>
+              <a:rPr lang="en"/>
+              <a:t>United Nation’s Several websites specially Food and Agriculture Organization.</a:t>
+            </a:r>
+            <a:endParaRPr/>
+          </a:p>
+          <a:p>
+            <a:pPr indent="-342900" lvl="0" marL="457200" rtl="0" algn="l">
+              <a:spcBef>
+                <a:spcPts val="0"/>
+              </a:spcBef>
+              <a:spcAft>
+                <a:spcPts val="0"/>
+              </a:spcAft>
+              <a:buSzPts val="1800"/>
+              <a:buChar char="●"/>
+            </a:pPr>
+            <a:r>
+              <a:rPr lang="en"/>
+              <a:t>Different Government Websites</a:t>
+            </a:r>
+            <a:endParaRPr/>
+          </a:p>
+          <a:p>
+            <a:pPr indent="-342900" lvl="0" marL="457200" rtl="0" algn="l">
+              <a:spcBef>
+                <a:spcPts val="0"/>
+              </a:spcBef>
+              <a:spcAft>
+                <a:spcPts val="0"/>
+              </a:spcAft>
+              <a:buSzPts val="1800"/>
+              <a:buChar char="●"/>
+            </a:pPr>
+            <a:r>
+              <a:rPr lang="en"/>
+              <a:t>Research papers related to Emissions</a:t>
+            </a:r>
+            <a:endParaRPr/>
+          </a:p>
+        </p:txBody>
+      </p:sp>
+    </p:spTree>
+  </p:cSld>
+  <p:clrMapOvr>
+    <a:masterClrMapping/>
+  </p:clrMapOvr>
+</p:sld>
+</file>
+
+<file path=ppt/slides/slide14.xml><?xml version="1.0" encoding="utf-8"?>
+<p:sld xmlns:a="http://schemas.openxmlformats.org/drawingml/2006/main" xmlns:r="http://schemas.openxmlformats.org/officeDocument/2006/relationships" xmlns:mc="http://schemas.openxmlformats.org/markup-compatibility/2006" xmlns:mv="urn:schemas-microsoft-com:mac:vml" xmlns:p="http://schemas.openxmlformats.org/presentationml/2006/main" xmlns:c="http://schemas.openxmlformats.org/drawingml/2006/chart" xmlns:dgm="http://schemas.openxmlformats.org/drawingml/2006/diagram" xmlns:o="urn:schemas-microsoft-com:office:office" xmlns:v="urn:schemas-microsoft-com:vml" xmlns:pvml="urn:schemas-microsoft-com:office:powerpoint" xmlns:com="http://schemas.openxmlformats.org/drawingml/2006/compatibility" xmlns:p14="http://schemas.microsoft.com/office/powerpoint/2010/main" xmlns:p15="http://schemas.microsoft.com/office/powerpoint/2012/main" xmlns:ahyp="http://schemas.microsoft.com/office/drawing/2018/hyperlinkcolor">
+  <p:cSld>
+    <p:bg>
+      <p:bgPr>
+        <a:solidFill>
+          <a:srgbClr val="D9EAD3"/>
+        </a:solidFill>
+      </p:bgPr>
+    </p:bg>
+    <p:spTree>
+      <p:nvGrpSpPr>
+        <p:cNvPr id="130" name="Shape 130"/>
+        <p:cNvGrpSpPr/>
+        <p:nvPr/>
+      </p:nvGrpSpPr>
+      <p:grpSpPr>
+        <a:xfrm>
+          <a:off x="0" y="0"/>
+          <a:ext cx="0" cy="0"/>
+          <a:chOff x="0" y="0"/>
+          <a:chExt cx="0" cy="0"/>
+        </a:xfrm>
+      </p:grpSpPr>
+      <p:sp>
+        <p:nvSpPr>
+          <p:cNvPr id="131" name="Google Shape;131;p26"/>
+          <p:cNvSpPr txBox="1"/>
+          <p:nvPr>
+            <p:ph type="title"/>
+          </p:nvPr>
+        </p:nvSpPr>
+        <p:spPr>
+          <a:xfrm>
+            <a:off x="311700" y="445025"/>
+            <a:ext cx="8520600" cy="572700"/>
+          </a:xfrm>
+          <a:prstGeom prst="rect">
+            <a:avLst/>
+          </a:prstGeom>
+        </p:spPr>
+        <p:txBody>
+          <a:bodyPr anchorCtr="0" anchor="t" bIns="91425" lIns="91425" spcFirstLastPara="1" rIns="91425" wrap="square" tIns="91425">
+            <a:normAutofit fontScale="90000"/>
+          </a:bodyPr>
+          <a:lstStyle/>
+          <a:p>
+            <a:pPr indent="0" lvl="0" marL="0" rtl="0" algn="l">
+              <a:spcBef>
+                <a:spcPts val="0"/>
+              </a:spcBef>
+              <a:spcAft>
+                <a:spcPts val="0"/>
+              </a:spcAft>
+              <a:buNone/>
+            </a:pPr>
+            <a:r>
+              <a:rPr b="1" lang="en" u="sng"/>
+              <a:t>Data Analysis</a:t>
+            </a:r>
+            <a:endParaRPr b="1" u="sng"/>
+          </a:p>
+        </p:txBody>
+      </p:sp>
+      <p:sp>
+        <p:nvSpPr>
+          <p:cNvPr id="132" name="Google Shape;132;p26"/>
+          <p:cNvSpPr txBox="1"/>
+          <p:nvPr/>
+        </p:nvSpPr>
+        <p:spPr>
+          <a:xfrm>
+            <a:off x="95350" y="960775"/>
+            <a:ext cx="8858100" cy="2552700"/>
+          </a:xfrm>
+          <a:prstGeom prst="rect">
+            <a:avLst/>
+          </a:prstGeom>
+          <a:noFill/>
+          <a:ln>
+            <a:noFill/>
+          </a:ln>
+        </p:spPr>
+        <p:txBody>
+          <a:bodyPr anchorCtr="0" anchor="t" bIns="91425" lIns="91425" spcFirstLastPara="1" rIns="91425" wrap="square" tIns="91425">
+            <a:spAutoFit/>
+          </a:bodyPr>
+          <a:lstStyle/>
+          <a:p>
+            <a:pPr indent="-336550" lvl="0" marL="457200" rtl="0" algn="l">
+              <a:lnSpc>
+                <a:spcPct val="115000"/>
+              </a:lnSpc>
+              <a:spcBef>
+                <a:spcPts val="0"/>
+              </a:spcBef>
+              <a:spcAft>
+                <a:spcPts val="0"/>
+              </a:spcAft>
+              <a:buClr>
+                <a:schemeClr val="dk2"/>
+              </a:buClr>
+              <a:buSzPts val="1700"/>
+              <a:buChar char="●"/>
+            </a:pPr>
+            <a:r>
+              <a:rPr lang="en" sz="1700">
+                <a:solidFill>
+                  <a:schemeClr val="dk2"/>
+                </a:solidFill>
+              </a:rPr>
+              <a:t>As lot of work is done on CO2 analysis,we chose to analyze more on N2O , CH4, and other emissions.</a:t>
+            </a:r>
+            <a:endParaRPr sz="1700">
+              <a:solidFill>
+                <a:schemeClr val="dk2"/>
+              </a:solidFill>
+            </a:endParaRPr>
+          </a:p>
+          <a:p>
+            <a:pPr indent="-336550" lvl="0" marL="457200" rtl="0" algn="l">
+              <a:lnSpc>
+                <a:spcPct val="115000"/>
+              </a:lnSpc>
+              <a:spcBef>
+                <a:spcPts val="0"/>
+              </a:spcBef>
+              <a:spcAft>
+                <a:spcPts val="0"/>
+              </a:spcAft>
+              <a:buClr>
+                <a:schemeClr val="dk2"/>
+              </a:buClr>
+              <a:buSzPts val="1700"/>
+              <a:buChar char="●"/>
+            </a:pPr>
+            <a:r>
+              <a:rPr lang="en" sz="1700">
+                <a:solidFill>
+                  <a:schemeClr val="dk2"/>
+                </a:solidFill>
+              </a:rPr>
+              <a:t>Country-wise,element-wise emissions are analyzed through bar, pie, line graph and charts.</a:t>
+            </a:r>
+            <a:endParaRPr sz="1700">
+              <a:solidFill>
+                <a:schemeClr val="dk2"/>
+              </a:solidFill>
+            </a:endParaRPr>
+          </a:p>
+          <a:p>
+            <a:pPr indent="-336550" lvl="0" marL="457200" rtl="0" algn="l">
+              <a:lnSpc>
+                <a:spcPct val="115000"/>
+              </a:lnSpc>
+              <a:spcBef>
+                <a:spcPts val="0"/>
+              </a:spcBef>
+              <a:spcAft>
+                <a:spcPts val="0"/>
+              </a:spcAft>
+              <a:buClr>
+                <a:schemeClr val="dk2"/>
+              </a:buClr>
+              <a:buSzPts val="1700"/>
+              <a:buChar char="●"/>
+            </a:pPr>
+            <a:r>
+              <a:rPr lang="en" sz="1700">
+                <a:solidFill>
+                  <a:schemeClr val="dk2"/>
+                </a:solidFill>
+              </a:rPr>
+              <a:t>Heat maps are created according to population and total emission.</a:t>
+            </a:r>
+            <a:endParaRPr sz="1700">
+              <a:solidFill>
+                <a:schemeClr val="dk2"/>
+              </a:solidFill>
+            </a:endParaRPr>
+          </a:p>
+          <a:p>
+            <a:pPr indent="-336550" lvl="0" marL="457200" rtl="0" algn="l">
+              <a:lnSpc>
+                <a:spcPct val="115000"/>
+              </a:lnSpc>
+              <a:spcBef>
+                <a:spcPts val="0"/>
+              </a:spcBef>
+              <a:spcAft>
+                <a:spcPts val="0"/>
+              </a:spcAft>
+              <a:buClr>
+                <a:schemeClr val="dk2"/>
+              </a:buClr>
+              <a:buSzPts val="1700"/>
+              <a:buChar char="●"/>
+            </a:pPr>
+            <a:r>
+              <a:rPr lang="en" sz="1700">
+                <a:solidFill>
+                  <a:schemeClr val="dk2"/>
+                </a:solidFill>
+              </a:rPr>
+              <a:t>Machine learning models are created to see the trends through linear regression model .</a:t>
+            </a:r>
+            <a:endParaRPr sz="1700">
+              <a:solidFill>
+                <a:schemeClr val="dk2"/>
+              </a:solidFill>
+            </a:endParaRPr>
+          </a:p>
+          <a:p>
+            <a:pPr indent="-336550" lvl="0" marL="457200" rtl="0" algn="l">
+              <a:lnSpc>
+                <a:spcPct val="115000"/>
+              </a:lnSpc>
+              <a:spcBef>
+                <a:spcPts val="0"/>
+              </a:spcBef>
+              <a:spcAft>
+                <a:spcPts val="0"/>
+              </a:spcAft>
+              <a:buClr>
+                <a:schemeClr val="dk2"/>
+              </a:buClr>
+              <a:buSzPts val="1700"/>
+              <a:buChar char="●"/>
+            </a:pPr>
+            <a:r>
+              <a:rPr lang="en" sz="1700">
+                <a:solidFill>
+                  <a:schemeClr val="dk2"/>
+                </a:solidFill>
+              </a:rPr>
+              <a:t>Exploring more options for the final project.</a:t>
+            </a:r>
+            <a:endParaRPr sz="1700">
+              <a:solidFill>
+                <a:schemeClr val="dk2"/>
+              </a:solidFill>
+            </a:endParaRPr>
+          </a:p>
+        </p:txBody>
+      </p:sp>
+    </p:spTree>
+  </p:cSld>
+  <p:clrMapOvr>
+    <a:masterClrMapping/>
+  </p:clrMapOvr>
+</p:sld>
+</file>
+
+<file path=ppt/slides/slide15.xml><?xml version="1.0" encoding="utf-8"?>
+<p:sld xmlns:a="http://schemas.openxmlformats.org/drawingml/2006/main" xmlns:r="http://schemas.openxmlformats.org/officeDocument/2006/relationships" xmlns:mc="http://schemas.openxmlformats.org/markup-compatibility/2006" xmlns:mv="urn:schemas-microsoft-com:mac:vml" xmlns:p="http://schemas.openxmlformats.org/presentationml/2006/main" xmlns:c="http://schemas.openxmlformats.org/drawingml/2006/chart" xmlns:dgm="http://schemas.openxmlformats.org/drawingml/2006/diagram" xmlns:o="urn:schemas-microsoft-com:office:office" xmlns:v="urn:schemas-microsoft-com:vml" xmlns:pvml="urn:schemas-microsoft-com:office:powerpoint" xmlns:com="http://schemas.openxmlformats.org/drawingml/2006/compatibility" xmlns:p14="http://schemas.microsoft.com/office/powerpoint/2010/main" xmlns:p15="http://schemas.microsoft.com/office/powerpoint/2012/main" xmlns:ahyp="http://schemas.microsoft.com/office/drawing/2018/hyperlinkcolor">
+  <p:cSld>
+    <p:bg>
+      <p:bgPr>
+        <a:solidFill>
+          <a:srgbClr val="D9EAD3"/>
+        </a:solidFill>
+      </p:bgPr>
+    </p:bg>
+    <p:spTree>
+      <p:nvGrpSpPr>
+        <p:cNvPr id="136" name="Shape 136"/>
+        <p:cNvGrpSpPr/>
+        <p:nvPr/>
+      </p:nvGrpSpPr>
+      <p:grpSpPr>
+        <a:xfrm>
+          <a:off x="0" y="0"/>
+          <a:ext cx="0" cy="0"/>
+          <a:chOff x="0" y="0"/>
+          <a:chExt cx="0" cy="0"/>
+        </a:xfrm>
+      </p:grpSpPr>
+      <p:sp>
+        <p:nvSpPr>
+          <p:cNvPr id="137" name="Google Shape;137;p27"/>
+          <p:cNvSpPr txBox="1"/>
+          <p:nvPr>
+            <p:ph type="title"/>
+          </p:nvPr>
+        </p:nvSpPr>
+        <p:spPr>
+          <a:xfrm>
+            <a:off x="311700" y="445025"/>
+            <a:ext cx="8520600" cy="572700"/>
+          </a:xfrm>
+          <a:prstGeom prst="rect">
+            <a:avLst/>
+          </a:prstGeom>
+        </p:spPr>
+        <p:txBody>
+          <a:bodyPr anchorCtr="0" anchor="t" bIns="91425" lIns="91425" spcFirstLastPara="1" rIns="91425" wrap="square" tIns="91425">
+            <a:normAutofit fontScale="90000"/>
+          </a:bodyPr>
+          <a:lstStyle/>
+          <a:p>
+            <a:pPr indent="0" lvl="0" marL="0" rtl="0" algn="l">
+              <a:spcBef>
+                <a:spcPts val="0"/>
+              </a:spcBef>
+              <a:spcAft>
+                <a:spcPts val="0"/>
+              </a:spcAft>
+              <a:buNone/>
+            </a:pPr>
+            <a:r>
+              <a:rPr b="1" lang="en" u="sng"/>
+              <a:t>Interactive Dashboard</a:t>
+            </a:r>
+            <a:endParaRPr b="1" u="sng"/>
+          </a:p>
+        </p:txBody>
+      </p:sp>
+      <p:sp>
+        <p:nvSpPr>
+          <p:cNvPr id="138" name="Google Shape;138;p27"/>
+          <p:cNvSpPr txBox="1"/>
+          <p:nvPr>
+            <p:ph idx="1" type="body"/>
+          </p:nvPr>
+        </p:nvSpPr>
+        <p:spPr>
+          <a:xfrm>
+            <a:off x="311700" y="1152475"/>
+            <a:ext cx="8520600" cy="3416400"/>
+          </a:xfrm>
+          <a:prstGeom prst="rect">
+            <a:avLst/>
+          </a:prstGeom>
+        </p:spPr>
+        <p:txBody>
+          <a:bodyPr anchorCtr="0" anchor="t" bIns="91425" lIns="91425" spcFirstLastPara="1" rIns="91425" wrap="square" tIns="91425">
+            <a:normAutofit/>
+          </a:bodyPr>
+          <a:lstStyle/>
+          <a:p>
             <a:pPr indent="0" lvl="0" marL="0" rtl="0" algn="l">
               <a:lnSpc>
-                <a:spcPct val="125000"/>
+                <a:spcPct val="115000"/>
               </a:lnSpc>
               <a:spcBef>
-                <a:spcPts val="1800"/>
+                <a:spcPts val="0"/>
+              </a:spcBef>
+              <a:spcAft>
+                <a:spcPts val="0"/>
+              </a:spcAft>
+              <a:buNone/>
+            </a:pPr>
+            <a:r>
+              <a:rPr lang="en"/>
+              <a:t>Will create interactive dashboard with country code,element code,item code using javascript.</a:t>
+            </a:r>
+            <a:endParaRPr/>
+          </a:p>
+          <a:p>
+            <a:pPr indent="0" lvl="0" marL="0" rtl="0" algn="l">
+              <a:lnSpc>
+                <a:spcPct val="115000"/>
+              </a:lnSpc>
+              <a:spcBef>
+                <a:spcPts val="1200"/>
               </a:spcBef>
               <a:spcAft>
                 <a:spcPts val="0"/>
@@ -7799,150 +8581,10 @@
               <a:buNone/>
             </a:pPr>
             <a:r>
-              <a:t/>
+              <a:rPr lang="en"/>
+              <a:t> Bar chart, bubble chart and gauge chart with N2O ,CH4, CO2 emission, will be created for better understanding of the project.</a:t>
             </a:r>
-            <a:endParaRPr b="1" sz="1650">
-              <a:solidFill>
-                <a:srgbClr val="24292F"/>
-              </a:solidFill>
-              <a:highlight>
-                <a:srgbClr val="FFFFFF"/>
-              </a:highlight>
-            </a:endParaRPr>
-          </a:p>
-          <a:p>
-            <a:pPr indent="0" lvl="0" marL="0" rtl="0" algn="l">
-              <a:spcBef>
-                <a:spcPts val="1200"/>
-              </a:spcBef>
-              <a:spcAft>
-                <a:spcPts val="0"/>
-              </a:spcAft>
-              <a:buClr>
-                <a:schemeClr val="dk1"/>
-              </a:buClr>
-              <a:buSzPts val="1100"/>
-              <a:buFont typeface="Arial"/>
-              <a:buNone/>
-            </a:pPr>
-            <a:r>
-              <a:rPr lang="en" sz="1200">
-                <a:solidFill>
-                  <a:srgbClr val="24292F"/>
-                </a:solidFill>
-                <a:highlight>
-                  <a:srgbClr val="FFFFFF"/>
-                </a:highlight>
-              </a:rPr>
-              <a:t>We have used the data from data source of Food and Agriculture Organization of United Nation. This data is reliable and easily available.</a:t>
-            </a:r>
-            <a:endParaRPr sz="1200">
-              <a:solidFill>
-                <a:srgbClr val="24292F"/>
-              </a:solidFill>
-              <a:highlight>
-                <a:srgbClr val="FFFFFF"/>
-              </a:highlight>
-            </a:endParaRPr>
-          </a:p>
-          <a:p>
-            <a:pPr indent="0" lvl="0" marL="0" rtl="0" algn="l">
-              <a:spcBef>
-                <a:spcPts val="1200"/>
-              </a:spcBef>
-              <a:spcAft>
-                <a:spcPts val="0"/>
-              </a:spcAft>
-              <a:buClr>
-                <a:schemeClr val="dk1"/>
-              </a:buClr>
-              <a:buSzPts val="1100"/>
-              <a:buFont typeface="Arial"/>
-              <a:buNone/>
-            </a:pPr>
-            <a:r>
-              <a:rPr lang="en" sz="1200">
-                <a:solidFill>
-                  <a:schemeClr val="hlink"/>
-                </a:solidFill>
-                <a:highlight>
-                  <a:srgbClr val="FFFFFF"/>
-                </a:highlight>
-                <a:uFill>
-                  <a:noFill/>
-                </a:uFill>
-                <a:hlinkClick r:id="rId3"/>
-              </a:rPr>
-              <a:t>https://www.fao.org/faostat/en/#data/GT</a:t>
-            </a:r>
-            <a:endParaRPr sz="1200">
-              <a:solidFill>
-                <a:schemeClr val="hlink"/>
-              </a:solidFill>
-              <a:highlight>
-                <a:srgbClr val="FFFFFF"/>
-              </a:highlight>
-            </a:endParaRPr>
-          </a:p>
-          <a:p>
-            <a:pPr indent="0" lvl="0" marL="0" rtl="0" algn="l">
-              <a:spcBef>
-                <a:spcPts val="1200"/>
-              </a:spcBef>
-              <a:spcAft>
-                <a:spcPts val="0"/>
-              </a:spcAft>
-              <a:buClr>
-                <a:schemeClr val="dk1"/>
-              </a:buClr>
-              <a:buSzPts val="1100"/>
-              <a:buFont typeface="Arial"/>
-              <a:buNone/>
-            </a:pPr>
-            <a:r>
-              <a:rPr lang="en" sz="1100" u="sng">
-                <a:solidFill>
-                  <a:schemeClr val="hlink"/>
-                </a:solidFill>
-                <a:hlinkClick r:id="rId4"/>
-              </a:rPr>
-              <a:t>EIA - Greenhouse Gas Emissions - Nitrous Oxide Emissions</a:t>
-            </a:r>
-            <a:endParaRPr sz="1200">
-              <a:solidFill>
-                <a:schemeClr val="hlink"/>
-              </a:solidFill>
-              <a:highlight>
-                <a:srgbClr val="FFFFFF"/>
-              </a:highlight>
-            </a:endParaRPr>
-          </a:p>
-          <a:p>
-            <a:pPr indent="0" lvl="0" marL="0" rtl="0" algn="l">
-              <a:spcBef>
-                <a:spcPts val="1200"/>
-              </a:spcBef>
-              <a:spcAft>
-                <a:spcPts val="0"/>
-              </a:spcAft>
-              <a:buClr>
-                <a:schemeClr val="dk1"/>
-              </a:buClr>
-              <a:buSzPts val="1100"/>
-              <a:buFont typeface="Arial"/>
-              <a:buNone/>
-            </a:pPr>
-            <a:r>
-              <a:t/>
-            </a:r>
-            <a:endParaRPr sz="1200">
-              <a:solidFill>
-                <a:schemeClr val="hlink"/>
-              </a:solidFill>
-              <a:highlight>
-                <a:srgbClr val="FFFFFF"/>
-              </a:highlight>
-            </a:endParaRPr>
+            <a:endParaRPr/>
           </a:p>
           <a:p>
             <a:pPr indent="0" lvl="0" marL="0" rtl="0" algn="l">
@@ -9322,7 +9964,7 @@
               <a:buNone/>
             </a:pPr>
             <a:r>
-              <a:rPr b="1" lang="en" sz="1650">
+              <a:rPr b="1" lang="en" sz="1650" u="sng">
                 <a:solidFill>
                   <a:srgbClr val="24292F"/>
                 </a:solidFill>
@@ -9332,7 +9974,7 @@
               </a:rPr>
               <a:t>QUESTIONS</a:t>
             </a:r>
-            <a:endParaRPr/>
+            <a:endParaRPr u="sng"/>
           </a:p>
         </p:txBody>
       </p:sp>
